--- a/case_study_Boat.pptx
+++ b/case_study_Boat.pptx
@@ -135,6 +135,43 @@
     </p:ext>
   </p:extLst>
 </p:presentation>
+</file>
+
+<file path=ppt/changesInfos/changesInfo1.xml><?xml version="1.0" encoding="utf-8"?>
+<pc:chgInfo xmlns:a="http://schemas.openxmlformats.org/drawingml/2006/main" xmlns:r="http://schemas.openxmlformats.org/officeDocument/2006/relationships" xmlns:ac="http://schemas.microsoft.com/office/drawing/2013/main/command" xmlns:pc="http://schemas.microsoft.com/office/powerpoint/2013/main/command">
+  <pc:docChgLst>
+    <pc:chgData name="vivek" userId="0ffabd379f58cbe9" providerId="LiveId" clId="{0270E445-95AB-4B92-963E-0F1F722B9AD0}"/>
+    <pc:docChg chg="modSld">
+      <pc:chgData name="vivek" userId="0ffabd379f58cbe9" providerId="LiveId" clId="{0270E445-95AB-4B92-963E-0F1F722B9AD0}" dt="2025-09-01T17:57:31.869" v="13" actId="1076"/>
+      <pc:docMkLst>
+        <pc:docMk/>
+      </pc:docMkLst>
+      <pc:sldChg chg="modSp mod">
+        <pc:chgData name="vivek" userId="0ffabd379f58cbe9" providerId="LiveId" clId="{0270E445-95AB-4B92-963E-0F1F722B9AD0}" dt="2025-09-01T17:57:31.869" v="13" actId="1076"/>
+        <pc:sldMkLst>
+          <pc:docMk/>
+          <pc:sldMk cId="0" sldId="256"/>
+        </pc:sldMkLst>
+        <pc:spChg chg="mod">
+          <ac:chgData name="vivek" userId="0ffabd379f58cbe9" providerId="LiveId" clId="{0270E445-95AB-4B92-963E-0F1F722B9AD0}" dt="2025-09-01T17:56:12.327" v="12" actId="1076"/>
+          <ac:spMkLst>
+            <pc:docMk/>
+            <pc:sldMk cId="0" sldId="256"/>
+            <ac:spMk id="11" creationId="{00000000-0000-0000-0000-000000000000}"/>
+          </ac:spMkLst>
+        </pc:spChg>
+        <pc:picChg chg="mod">
+          <ac:chgData name="vivek" userId="0ffabd379f58cbe9" providerId="LiveId" clId="{0270E445-95AB-4B92-963E-0F1F722B9AD0}" dt="2025-09-01T17:57:31.869" v="13" actId="1076"/>
+          <ac:picMkLst>
+            <pc:docMk/>
+            <pc:sldMk cId="0" sldId="256"/>
+            <ac:picMk id="5" creationId="{00000000-0000-0000-0000-000000000000}"/>
+          </ac:picMkLst>
+        </pc:picChg>
+      </pc:sldChg>
+    </pc:docChg>
+  </pc:docChgLst>
+</pc:chgInfo>
 </file>
 
 <file path=ppt/notesMasters/notesMaster1.xml><?xml version="1.0" encoding="utf-8"?>
@@ -6713,7 +6750,7 @@
         </p:blipFill>
         <p:spPr>
           <a:xfrm>
-            <a:off x="11105250" y="325663"/>
+            <a:off x="11040732" y="325663"/>
             <a:ext cx="6752843" cy="9635673"/>
           </a:xfrm>
           <a:prstGeom prst="rect">
@@ -6788,8 +6825,8 @@
         </p:nvSpPr>
         <p:spPr>
           <a:xfrm>
-            <a:off x="306621" y="8420100"/>
-            <a:ext cx="3731979" cy="915828"/>
+            <a:off x="306621" y="8039100"/>
+            <a:ext cx="3731979" cy="1486433"/>
           </a:xfrm>
           <a:prstGeom prst="rect">
             <a:avLst/>
@@ -7136,6 +7173,33 @@
                 <a:cs typeface="Arial Narrow"/>
               </a:rPr>
               <a:t>Vivek kumar</a:t>
+            </a:r>
+          </a:p>
+          <a:p>
+            <a:pPr marL="622935" marR="1271905" indent="-610870">
+              <a:lnSpc>
+                <a:spcPct val="102699"/>
+              </a:lnSpc>
+              <a:spcBef>
+                <a:spcPts val="35"/>
+              </a:spcBef>
+              <a:tabLst>
+                <a:tab pos="1940560" algn="l"/>
+                <a:tab pos="2244725" algn="l"/>
+              </a:tabLst>
+            </a:pPr>
+            <a:r>
+              <a:rPr lang="en-IN" sz="3600" dirty="0">
+                <a:solidFill>
+                  <a:schemeClr val="tx2">
+                    <a:lumMod val="75000"/>
+                  </a:schemeClr>
+                </a:solidFill>
+                <a:latin typeface="Arial Narrow" panose="020B0606020202030204" pitchFamily="34" charset="0"/>
+                <a:ea typeface="Cambria Math" panose="02040503050406030204" pitchFamily="18" charset="0"/>
+                <a:cs typeface="Arial Narrow"/>
+              </a:rPr>
+              <a:t>Ajeet Kumar</a:t>
             </a:r>
           </a:p>
         </p:txBody>
